--- a/Obsidian_Unstructured_Data_Search_Engine/Obsidian_UDSE_Plan_Phase_01.pptx
+++ b/Obsidian_Unstructured_Data_Search_Engine/Obsidian_UDSE_Plan_Phase_01.pptx
@@ -243,7 +243,7 @@
           <a:p>
             <a:fld id="{ADD072A5-80F2-459C-8EED-9DCE35A75F4A}" type="datetimeFigureOut">
               <a:rPr lang="en-GB" smtClean="0"/>
-              <a:t>15/05/2020</a:t>
+              <a:t>09/10/2020</a:t>
             </a:fld>
             <a:endParaRPr lang="en-GB"/>
           </a:p>
@@ -413,7 +413,7 @@
           <a:p>
             <a:fld id="{ADD072A5-80F2-459C-8EED-9DCE35A75F4A}" type="datetimeFigureOut">
               <a:rPr lang="en-GB" smtClean="0"/>
-              <a:t>15/05/2020</a:t>
+              <a:t>09/10/2020</a:t>
             </a:fld>
             <a:endParaRPr lang="en-GB"/>
           </a:p>
@@ -593,7 +593,7 @@
           <a:p>
             <a:fld id="{ADD072A5-80F2-459C-8EED-9DCE35A75F4A}" type="datetimeFigureOut">
               <a:rPr lang="en-GB" smtClean="0"/>
-              <a:t>15/05/2020</a:t>
+              <a:t>09/10/2020</a:t>
             </a:fld>
             <a:endParaRPr lang="en-GB"/>
           </a:p>
@@ -763,7 +763,7 @@
           <a:p>
             <a:fld id="{ADD072A5-80F2-459C-8EED-9DCE35A75F4A}" type="datetimeFigureOut">
               <a:rPr lang="en-GB" smtClean="0"/>
-              <a:t>15/05/2020</a:t>
+              <a:t>09/10/2020</a:t>
             </a:fld>
             <a:endParaRPr lang="en-GB"/>
           </a:p>
@@ -1009,7 +1009,7 @@
           <a:p>
             <a:fld id="{ADD072A5-80F2-459C-8EED-9DCE35A75F4A}" type="datetimeFigureOut">
               <a:rPr lang="en-GB" smtClean="0"/>
-              <a:t>15/05/2020</a:t>
+              <a:t>09/10/2020</a:t>
             </a:fld>
             <a:endParaRPr lang="en-GB"/>
           </a:p>
@@ -1241,7 +1241,7 @@
           <a:p>
             <a:fld id="{ADD072A5-80F2-459C-8EED-9DCE35A75F4A}" type="datetimeFigureOut">
               <a:rPr lang="en-GB" smtClean="0"/>
-              <a:t>15/05/2020</a:t>
+              <a:t>09/10/2020</a:t>
             </a:fld>
             <a:endParaRPr lang="en-GB"/>
           </a:p>
@@ -1608,7 +1608,7 @@
           <a:p>
             <a:fld id="{ADD072A5-80F2-459C-8EED-9DCE35A75F4A}" type="datetimeFigureOut">
               <a:rPr lang="en-GB" smtClean="0"/>
-              <a:t>15/05/2020</a:t>
+              <a:t>09/10/2020</a:t>
             </a:fld>
             <a:endParaRPr lang="en-GB"/>
           </a:p>
@@ -1726,7 +1726,7 @@
           <a:p>
             <a:fld id="{ADD072A5-80F2-459C-8EED-9DCE35A75F4A}" type="datetimeFigureOut">
               <a:rPr lang="en-GB" smtClean="0"/>
-              <a:t>15/05/2020</a:t>
+              <a:t>09/10/2020</a:t>
             </a:fld>
             <a:endParaRPr lang="en-GB"/>
           </a:p>
@@ -1821,7 +1821,7 @@
           <a:p>
             <a:fld id="{ADD072A5-80F2-459C-8EED-9DCE35A75F4A}" type="datetimeFigureOut">
               <a:rPr lang="en-GB" smtClean="0"/>
-              <a:t>15/05/2020</a:t>
+              <a:t>09/10/2020</a:t>
             </a:fld>
             <a:endParaRPr lang="en-GB"/>
           </a:p>
@@ -2098,7 +2098,7 @@
           <a:p>
             <a:fld id="{ADD072A5-80F2-459C-8EED-9DCE35A75F4A}" type="datetimeFigureOut">
               <a:rPr lang="en-GB" smtClean="0"/>
-              <a:t>15/05/2020</a:t>
+              <a:t>09/10/2020</a:t>
             </a:fld>
             <a:endParaRPr lang="en-GB"/>
           </a:p>
@@ -2351,7 +2351,7 @@
           <a:p>
             <a:fld id="{ADD072A5-80F2-459C-8EED-9DCE35A75F4A}" type="datetimeFigureOut">
               <a:rPr lang="en-GB" smtClean="0"/>
-              <a:t>15/05/2020</a:t>
+              <a:t>09/10/2020</a:t>
             </a:fld>
             <a:endParaRPr lang="en-GB"/>
           </a:p>
@@ -2564,7 +2564,7 @@
           <a:p>
             <a:fld id="{ADD072A5-80F2-459C-8EED-9DCE35A75F4A}" type="datetimeFigureOut">
               <a:rPr lang="en-GB" smtClean="0"/>
-              <a:t>15/05/2020</a:t>
+              <a:t>09/10/2020</a:t>
             </a:fld>
             <a:endParaRPr lang="en-GB"/>
           </a:p>
@@ -3156,7 +3156,7 @@
             <a:pPr algn="ctr"/>
             <a:r>
               <a:rPr lang="en-GB" dirty="0" smtClean="0"/>
-              <a:t>Relationships</a:t>
+              <a:t>Abstractions</a:t>
             </a:r>
             <a:endParaRPr lang="en-GB" dirty="0"/>
           </a:p>
@@ -3242,7 +3242,11 @@
             <a:pPr algn="ctr"/>
             <a:r>
               <a:rPr lang="en-GB" dirty="0" smtClean="0"/>
-              <a:t>Causal Chains</a:t>
+              <a:t>Causal </a:t>
+            </a:r>
+            <a:r>
+              <a:rPr lang="en-GB" dirty="0" smtClean="0"/>
+              <a:t>Relationships</a:t>
             </a:r>
             <a:endParaRPr lang="en-GB" dirty="0"/>
           </a:p>
